--- a/Repositorio Agricultura/Chile/Estadísticas económicas/Colocaciones/colocaciones.pptx
+++ b/Repositorio Agricultura/Chile/Estadísticas económicas/Colocaciones/colocaciones.pptx
@@ -104,6 +104,11 @@
       </a:defRPr>
     </a:lvl9pPr>
   </p:defaultTextStyle>
+  <p:extLst>
+    <p:ext uri="{EFAFB233-063F-42B5-8137-9DF3F51BA10A}">
+      <p15:sldGuideLst xmlns:p15="http://schemas.microsoft.com/office/powerpoint/2012/main"/>
+    </p:ext>
+  </p:extLst>
 </p:presentation>
 </file>
 
@@ -256,7 +261,7 @@
           <a:p>
             <a:fld id="{F8F163EA-289A-4E02-A13A-18956741386B}" type="datetimeFigureOut">
               <a:rPr lang="es-CL" smtClean="0"/>
-              <a:t>12-11-2020</a:t>
+              <a:t>03-02-2021</a:t>
             </a:fld>
             <a:endParaRPr lang="es-CL"/>
           </a:p>
@@ -456,7 +461,7 @@
           <a:p>
             <a:fld id="{F8F163EA-289A-4E02-A13A-18956741386B}" type="datetimeFigureOut">
               <a:rPr lang="es-CL" smtClean="0"/>
-              <a:t>12-11-2020</a:t>
+              <a:t>03-02-2021</a:t>
             </a:fld>
             <a:endParaRPr lang="es-CL"/>
           </a:p>
@@ -666,7 +671,7 @@
           <a:p>
             <a:fld id="{F8F163EA-289A-4E02-A13A-18956741386B}" type="datetimeFigureOut">
               <a:rPr lang="es-CL" smtClean="0"/>
-              <a:t>12-11-2020</a:t>
+              <a:t>03-02-2021</a:t>
             </a:fld>
             <a:endParaRPr lang="es-CL"/>
           </a:p>
@@ -866,7 +871,7 @@
           <a:p>
             <a:fld id="{F8F163EA-289A-4E02-A13A-18956741386B}" type="datetimeFigureOut">
               <a:rPr lang="es-CL" smtClean="0"/>
-              <a:t>12-11-2020</a:t>
+              <a:t>03-02-2021</a:t>
             </a:fld>
             <a:endParaRPr lang="es-CL"/>
           </a:p>
@@ -1142,7 +1147,7 @@
           <a:p>
             <a:fld id="{F8F163EA-289A-4E02-A13A-18956741386B}" type="datetimeFigureOut">
               <a:rPr lang="es-CL" smtClean="0"/>
-              <a:t>12-11-2020</a:t>
+              <a:t>03-02-2021</a:t>
             </a:fld>
             <a:endParaRPr lang="es-CL"/>
           </a:p>
@@ -1410,7 +1415,7 @@
           <a:p>
             <a:fld id="{F8F163EA-289A-4E02-A13A-18956741386B}" type="datetimeFigureOut">
               <a:rPr lang="es-CL" smtClean="0"/>
-              <a:t>12-11-2020</a:t>
+              <a:t>03-02-2021</a:t>
             </a:fld>
             <a:endParaRPr lang="es-CL"/>
           </a:p>
@@ -1825,7 +1830,7 @@
           <a:p>
             <a:fld id="{F8F163EA-289A-4E02-A13A-18956741386B}" type="datetimeFigureOut">
               <a:rPr lang="es-CL" smtClean="0"/>
-              <a:t>12-11-2020</a:t>
+              <a:t>03-02-2021</a:t>
             </a:fld>
             <a:endParaRPr lang="es-CL"/>
           </a:p>
@@ -1967,7 +1972,7 @@
           <a:p>
             <a:fld id="{F8F163EA-289A-4E02-A13A-18956741386B}" type="datetimeFigureOut">
               <a:rPr lang="es-CL" smtClean="0"/>
-              <a:t>12-11-2020</a:t>
+              <a:t>03-02-2021</a:t>
             </a:fld>
             <a:endParaRPr lang="es-CL"/>
           </a:p>
@@ -2080,7 +2085,7 @@
           <a:p>
             <a:fld id="{F8F163EA-289A-4E02-A13A-18956741386B}" type="datetimeFigureOut">
               <a:rPr lang="es-CL" smtClean="0"/>
-              <a:t>12-11-2020</a:t>
+              <a:t>03-02-2021</a:t>
             </a:fld>
             <a:endParaRPr lang="es-CL"/>
           </a:p>
@@ -2393,7 +2398,7 @@
           <a:p>
             <a:fld id="{F8F163EA-289A-4E02-A13A-18956741386B}" type="datetimeFigureOut">
               <a:rPr lang="es-CL" smtClean="0"/>
-              <a:t>12-11-2020</a:t>
+              <a:t>03-02-2021</a:t>
             </a:fld>
             <a:endParaRPr lang="es-CL"/>
           </a:p>
@@ -2682,7 +2687,7 @@
           <a:p>
             <a:fld id="{F8F163EA-289A-4E02-A13A-18956741386B}" type="datetimeFigureOut">
               <a:rPr lang="es-CL" smtClean="0"/>
-              <a:t>12-11-2020</a:t>
+              <a:t>03-02-2021</a:t>
             </a:fld>
             <a:endParaRPr lang="es-CL"/>
           </a:p>
@@ -2925,7 +2930,7 @@
           <a:p>
             <a:fld id="{F8F163EA-289A-4E02-A13A-18956741386B}" type="datetimeFigureOut">
               <a:rPr lang="es-CL" smtClean="0"/>
-              <a:t>12-11-2020</a:t>
+              <a:t>03-02-2021</a:t>
             </a:fld>
             <a:endParaRPr lang="es-CL"/>
           </a:p>
@@ -3679,38 +3684,6 @@
           </a:p>
         </p:txBody>
       </p:sp>
-      <p:pic>
-        <p:nvPicPr>
-          <p:cNvPr id="5" name="Marcador de contenido 4">
-            <a:extLst>
-              <a:ext uri="{FF2B5EF4-FFF2-40B4-BE49-F238E27FC236}">
-                <a16:creationId xmlns:a16="http://schemas.microsoft.com/office/drawing/2014/main" id="{E3810755-51D5-4DEB-B58B-6F9F9707B3D3}"/>
-              </a:ext>
-            </a:extLst>
-          </p:cNvPr>
-          <p:cNvPicPr>
-            <a:picLocks noGrp="1" noChangeAspect="1"/>
-          </p:cNvPicPr>
-          <p:nvPr>
-            <p:ph idx="1"/>
-          </p:nvPr>
-        </p:nvPicPr>
-        <p:blipFill>
-          <a:blip r:embed="rId3"/>
-          <a:stretch>
-            <a:fillRect/>
-          </a:stretch>
-        </p:blipFill>
-        <p:spPr>
-          <a:xfrm>
-            <a:off x="7059168" y="978180"/>
-            <a:ext cx="4206240" cy="1756105"/>
-          </a:xfrm>
-          <a:prstGeom prst="rect">
-            <a:avLst/>
-          </a:prstGeom>
-        </p:spPr>
-      </p:pic>
       <p:sp>
         <p:nvSpPr>
           <p:cNvPr id="17" name="Rounded Rectangle 9">
@@ -3829,7 +3802,7 @@
           <p:nvPr/>
         </p:nvPicPr>
         <p:blipFill>
-          <a:blip r:embed="rId4"/>
+          <a:blip r:embed="rId3"/>
           <a:stretch>
             <a:fillRect/>
           </a:stretch>
@@ -4036,7 +4009,7 @@
           <p:nvPr/>
         </p:nvPicPr>
         <p:blipFill>
-          <a:blip r:embed="rId5"/>
+          <a:blip r:embed="rId4"/>
           <a:stretch>
             <a:fillRect/>
           </a:stretch>
@@ -4110,7 +4083,7 @@
                 <a:latin typeface="Calibri" panose="020F0502020204030204"/>
                 <a:ea typeface="+mn-ea"/>
                 <a:cs typeface="+mn-cs"/>
-                <a:hlinkClick r:id="rId6"/>
+                <a:hlinkClick r:id="rId5"/>
               </a:rPr>
               <a:t>https://www.dropbox.com/sh/6luk119hcj2ytum/AABmqUoAl7r-7wXLTstQ2_Pca?dl=0</a:t>
             </a:r>
@@ -4310,6 +4283,74 @@
               <a:ea typeface="+mn-ea"/>
               <a:cs typeface="+mn-cs"/>
             </a:endParaRPr>
+          </a:p>
+        </p:txBody>
+      </p:sp>
+      <p:pic>
+        <p:nvPicPr>
+          <p:cNvPr id="11" name="Imagen 10">
+            <a:extLst>
+              <a:ext uri="{FF2B5EF4-FFF2-40B4-BE49-F238E27FC236}">
+                <a16:creationId xmlns:a16="http://schemas.microsoft.com/office/drawing/2014/main" id="{DB19CF6A-7AC8-4242-8104-1672D373C3BF}"/>
+              </a:ext>
+            </a:extLst>
+          </p:cNvPr>
+          <p:cNvPicPr>
+            <a:picLocks noChangeAspect="1"/>
+          </p:cNvPicPr>
+          <p:nvPr/>
+        </p:nvPicPr>
+        <p:blipFill>
+          <a:blip r:embed="rId6"/>
+          <a:stretch>
+            <a:fillRect/>
+          </a:stretch>
+        </p:blipFill>
+        <p:spPr>
+          <a:xfrm>
+            <a:off x="6510000" y="550984"/>
+            <a:ext cx="4686300" cy="2408313"/>
+          </a:xfrm>
+          <a:prstGeom prst="rect">
+            <a:avLst/>
+          </a:prstGeom>
+        </p:spPr>
+      </p:pic>
+      <p:sp>
+        <p:nvSpPr>
+          <p:cNvPr id="18" name="CuadroTexto 17">
+            <a:extLst>
+              <a:ext uri="{FF2B5EF4-FFF2-40B4-BE49-F238E27FC236}">
+                <a16:creationId xmlns:a16="http://schemas.microsoft.com/office/drawing/2014/main" id="{FBAE38AD-EBB9-4CFC-A4E0-FCC29077AB4B}"/>
+              </a:ext>
+            </a:extLst>
+          </p:cNvPr>
+          <p:cNvSpPr txBox="1"/>
+          <p:nvPr/>
+        </p:nvSpPr>
+        <p:spPr>
+          <a:xfrm>
+            <a:off x="7189216" y="1919604"/>
+            <a:ext cx="4240784" cy="923330"/>
+          </a:xfrm>
+          <a:prstGeom prst="rect">
+            <a:avLst/>
+          </a:prstGeom>
+          <a:noFill/>
+        </p:spPr>
+        <p:txBody>
+          <a:bodyPr wrap="square">
+            <a:spAutoFit/>
+          </a:bodyPr>
+          <a:lstStyle/>
+          <a:p>
+            <a:r>
+              <a:rPr lang="es-ES" dirty="0">
+                <a:hlinkClick r:id="rId7"/>
+              </a:rPr>
+              <a:t>Colocaciones regionales por actividad económica - CMF Estadísticas y gráficos (cmfchile.cl)</a:t>
+            </a:r>
+            <a:endParaRPr lang="es-CL" dirty="0"/>
           </a:p>
         </p:txBody>
       </p:sp>
